--- a/trunk/ tsp01-contratos-clientes/ITERACION02_TP01/S03/PPT I02 SI03 MCUS v1.pptx
+++ b/trunk/ tsp01-contratos-clientes/ITERACION02_TP01/S03/PPT I02 SI03 MCUS v1.pptx
@@ -16182,7 +16182,6 @@
               <a:rPr lang="es-PE" sz="2800" dirty="0" smtClean="0"/>
               <a:t>REQUERIMIENTOS</a:t>
             </a:r>
-            <a:endParaRPr lang="es-PE" sz="2800" dirty="0" smtClean="0"/>
           </a:p>
         </p:txBody>
       </p:sp>
@@ -16332,14 +16331,6 @@
               </a:rPr>
               <a:t>MODELO DE CASOS DE USO DELSISTEMA</a:t>
             </a:r>
-            <a:r>
-              <a:rPr lang="es-PE" sz="4000" b="1" dirty="0" smtClean="0">
-                <a:solidFill>
-                  <a:schemeClr val="tx1"/>
-                </a:solidFill>
-              </a:rPr>
-              <a:t/>
-            </a:r>
             <a:br>
               <a:rPr lang="es-PE" sz="4000" b="1" dirty="0" smtClean="0">
                 <a:solidFill>
@@ -16410,15 +16401,7 @@
                   <a:schemeClr val="tx1"/>
                 </a:solidFill>
               </a:rPr>
-              <a:t>ESPECIFICACION DE LOS ACTORES DEL </a:t>
-            </a:r>
-            <a:r>
-              <a:rPr lang="es-PE" sz="4000" b="1" dirty="0" smtClean="0">
-                <a:solidFill>
-                  <a:schemeClr val="tx1"/>
-                </a:solidFill>
-              </a:rPr>
-              <a:t>SISTEMA</a:t>
+              <a:t>ESPECIFICACION DE LOS ACTORES DEL SISTEMA</a:t>
             </a:r>
             <a:br>
               <a:rPr lang="es-PE" sz="4000" b="1" dirty="0" smtClean="0">
@@ -16433,29 +16416,8 @@
                   <a:schemeClr val="tx1"/>
                 </a:solidFill>
               </a:rPr>
-              <a:t>(Contratos </a:t>
+              <a:t>(Contratos de Clientes)</a:t>
             </a:r>
-            <a:r>
-              <a:rPr lang="es-PE" sz="4000" b="1" dirty="0" smtClean="0">
-                <a:solidFill>
-                  <a:schemeClr val="tx1"/>
-                </a:solidFill>
-              </a:rPr>
-              <a:t>de </a:t>
-            </a:r>
-            <a:r>
-              <a:rPr lang="es-PE" sz="4000" b="1" dirty="0" smtClean="0">
-                <a:solidFill>
-                  <a:schemeClr val="tx1"/>
-                </a:solidFill>
-              </a:rPr>
-              <a:t>Clientes)</a:t>
-            </a:r>
-            <a:endParaRPr lang="es-PE" sz="4000" b="1" dirty="0" smtClean="0">
-              <a:solidFill>
-                <a:schemeClr val="tx1"/>
-              </a:solidFill>
-            </a:endParaRPr>
           </a:p>
         </p:txBody>
       </p:sp>
@@ -16513,11 +16475,7 @@
             </a:r>
             <a:r>
               <a:rPr lang="es-PE" dirty="0" smtClean="0"/>
-              <a:t>DE LOS ACTORES DEL SISTEMA </a:t>
-            </a:r>
-            <a:r>
-              <a:rPr lang="es-PE" dirty="0" smtClean="0"/>
-              <a:t>(Contratos de Clientes)</a:t>
+              <a:t>DE LOS ACTORES DEL SISTEMA (Contratos de Clientes)</a:t>
             </a:r>
             <a:endParaRPr lang="es-PE" dirty="0"/>
           </a:p>
@@ -16561,7 +16519,174 @@
                     <a:bodyPr/>
                     <a:lstStyle/>
                     <a:p>
-                      <a:endParaRPr lang="es-ES" dirty="0"/>
+                      <a:pPr marL="0" marR="0" indent="0" algn="just" defTabSz="914400" rtl="0" eaLnBrk="1" fontAlgn="auto" latinLnBrk="0" hangingPunct="1">
+                        <a:lnSpc>
+                          <a:spcPct val="100000"/>
+                        </a:lnSpc>
+                        <a:spcBef>
+                          <a:spcPts val="0"/>
+                        </a:spcBef>
+                        <a:spcAft>
+                          <a:spcPts val="0"/>
+                        </a:spcAft>
+                        <a:buClrTx/>
+                        <a:buSzTx/>
+                        <a:buFontTx/>
+                        <a:buNone/>
+                        <a:tabLst/>
+                        <a:defRPr/>
+                      </a:pPr>
+                      <a:r>
+                        <a:rPr lang="en-US" sz="1800" b="0" kern="1200" dirty="0" err="1" smtClean="0">
+                          <a:solidFill>
+                            <a:schemeClr val="tx1"/>
+                          </a:solidFill>
+                          <a:latin typeface="+mn-lt"/>
+                          <a:ea typeface="+mn-ea"/>
+                          <a:cs typeface="+mn-cs"/>
+                        </a:rPr>
+                        <a:t>Encargado</a:t>
+                      </a:r>
+                      <a:r>
+                        <a:rPr lang="en-US" sz="1800" b="0" kern="1200" dirty="0" smtClean="0">
+                          <a:solidFill>
+                            <a:schemeClr val="tx1"/>
+                          </a:solidFill>
+                          <a:latin typeface="+mn-lt"/>
+                          <a:ea typeface="+mn-ea"/>
+                          <a:cs typeface="+mn-cs"/>
+                        </a:rPr>
+                        <a:t> de </a:t>
+                      </a:r>
+                      <a:r>
+                        <a:rPr lang="en-US" sz="1800" b="0" kern="1200" dirty="0" err="1" smtClean="0">
+                          <a:solidFill>
+                            <a:schemeClr val="tx1"/>
+                          </a:solidFill>
+                          <a:latin typeface="+mn-lt"/>
+                          <a:ea typeface="+mn-ea"/>
+                          <a:cs typeface="+mn-cs"/>
+                        </a:rPr>
+                        <a:t>realizar</a:t>
+                      </a:r>
+                      <a:r>
+                        <a:rPr lang="en-US" sz="1800" b="0" kern="1200" dirty="0" smtClean="0">
+                          <a:solidFill>
+                            <a:schemeClr val="tx1"/>
+                          </a:solidFill>
+                          <a:latin typeface="+mn-lt"/>
+                          <a:ea typeface="+mn-ea"/>
+                          <a:cs typeface="+mn-cs"/>
+                        </a:rPr>
+                        <a:t> la </a:t>
+                      </a:r>
+                      <a:r>
+                        <a:rPr lang="en-US" sz="1800" b="0" kern="1200" dirty="0" err="1" smtClean="0">
+                          <a:solidFill>
+                            <a:schemeClr val="tx1"/>
+                          </a:solidFill>
+                          <a:latin typeface="+mn-lt"/>
+                          <a:ea typeface="+mn-ea"/>
+                          <a:cs typeface="+mn-cs"/>
+                        </a:rPr>
+                        <a:t>aprobación</a:t>
+                      </a:r>
+                      <a:r>
+                        <a:rPr lang="en-US" sz="1800" b="0" kern="1200" dirty="0" smtClean="0">
+                          <a:solidFill>
+                            <a:schemeClr val="tx1"/>
+                          </a:solidFill>
+                          <a:latin typeface="+mn-lt"/>
+                          <a:ea typeface="+mn-ea"/>
+                          <a:cs typeface="+mn-cs"/>
+                        </a:rPr>
+                        <a:t> de </a:t>
+                      </a:r>
+                      <a:r>
+                        <a:rPr lang="en-US" sz="1800" b="0" kern="1200" dirty="0" err="1" smtClean="0">
+                          <a:solidFill>
+                            <a:schemeClr val="tx1"/>
+                          </a:solidFill>
+                          <a:latin typeface="+mn-lt"/>
+                          <a:ea typeface="+mn-ea"/>
+                          <a:cs typeface="+mn-cs"/>
+                        </a:rPr>
+                        <a:t>contratos</a:t>
+                      </a:r>
+                      <a:r>
+                        <a:rPr lang="en-US" sz="1800" b="0" kern="1200" dirty="0" smtClean="0">
+                          <a:solidFill>
+                            <a:schemeClr val="tx1"/>
+                          </a:solidFill>
+                          <a:latin typeface="+mn-lt"/>
+                          <a:ea typeface="+mn-ea"/>
+                          <a:cs typeface="+mn-cs"/>
+                        </a:rPr>
+                        <a:t>, </a:t>
+                      </a:r>
+                      <a:r>
+                        <a:rPr lang="en-US" sz="1800" b="0" kern="1200" dirty="0" err="1" smtClean="0">
+                          <a:solidFill>
+                            <a:schemeClr val="tx1"/>
+                          </a:solidFill>
+                          <a:latin typeface="+mn-lt"/>
+                          <a:ea typeface="+mn-ea"/>
+                          <a:cs typeface="+mn-cs"/>
+                        </a:rPr>
+                        <a:t>adendas</a:t>
+                      </a:r>
+                      <a:r>
+                        <a:rPr lang="en-US" sz="1800" b="0" kern="1200" dirty="0" smtClean="0">
+                          <a:solidFill>
+                            <a:schemeClr val="tx1"/>
+                          </a:solidFill>
+                          <a:latin typeface="+mn-lt"/>
+                          <a:ea typeface="+mn-ea"/>
+                          <a:cs typeface="+mn-cs"/>
+                        </a:rPr>
+                        <a:t>, </a:t>
+                      </a:r>
+                      <a:r>
+                        <a:rPr lang="en-US" sz="1800" b="0" kern="1200" dirty="0" err="1" smtClean="0">
+                          <a:solidFill>
+                            <a:schemeClr val="tx1"/>
+                          </a:solidFill>
+                          <a:latin typeface="+mn-lt"/>
+                          <a:ea typeface="+mn-ea"/>
+                          <a:cs typeface="+mn-cs"/>
+                        </a:rPr>
+                        <a:t>cierres</a:t>
+                      </a:r>
+                      <a:r>
+                        <a:rPr lang="en-US" sz="1800" b="0" kern="1200" dirty="0" smtClean="0">
+                          <a:solidFill>
+                            <a:schemeClr val="tx1"/>
+                          </a:solidFill>
+                          <a:latin typeface="+mn-lt"/>
+                          <a:ea typeface="+mn-ea"/>
+                          <a:cs typeface="+mn-cs"/>
+                        </a:rPr>
+                        <a:t> y </a:t>
+                      </a:r>
+                      <a:r>
+                        <a:rPr lang="en-US" sz="1800" b="0" kern="1200" dirty="0" err="1" smtClean="0">
+                          <a:solidFill>
+                            <a:schemeClr val="tx1"/>
+                          </a:solidFill>
+                          <a:latin typeface="+mn-lt"/>
+                          <a:ea typeface="+mn-ea"/>
+                          <a:cs typeface="+mn-cs"/>
+                        </a:rPr>
+                        <a:t>anulaciones</a:t>
+                      </a:r>
+                      <a:endParaRPr lang="es-ES" sz="1800" b="0" kern="1200" dirty="0">
+                        <a:solidFill>
+                          <a:schemeClr val="tx1"/>
+                        </a:solidFill>
+                        <a:latin typeface="+mn-lt"/>
+                        <a:ea typeface="+mn-ea"/>
+                        <a:cs typeface="+mn-cs"/>
+                      </a:endParaRPr>
                     </a:p>
                   </a:txBody>
                   <a:tcPr/>
@@ -16583,7 +16708,7 @@
                     <a:bodyPr/>
                     <a:lstStyle/>
                     <a:p>
-                      <a:pPr marL="0" marR="0" indent="0" algn="l" defTabSz="914400" rtl="0" eaLnBrk="1" fontAlgn="auto" latinLnBrk="0" hangingPunct="1">
+                      <a:pPr marL="0" marR="0" indent="0" algn="just" defTabSz="914400" rtl="0" eaLnBrk="1" fontAlgn="auto" latinLnBrk="0" hangingPunct="1">
                         <a:lnSpc>
                           <a:spcPct val="100000"/>
                         </a:lnSpc>
@@ -16842,11 +16967,7 @@
             </a:r>
             <a:r>
               <a:rPr lang="es-PE" dirty="0" smtClean="0"/>
-              <a:t>DE LOS ACTORES DEL SISTEMA </a:t>
-            </a:r>
-            <a:r>
-              <a:rPr lang="es-PE" dirty="0" smtClean="0"/>
-              <a:t>(Contratos de Clientes)</a:t>
+              <a:t>DE LOS ACTORES DEL SISTEMA (Contratos de Clientes)</a:t>
             </a:r>
             <a:endParaRPr lang="es-PE" dirty="0"/>
           </a:p>
@@ -16967,6 +17088,44 @@
                         <a:tabLst/>
                         <a:defRPr/>
                       </a:pPr>
+                      <a:r>
+                        <a:rPr lang="es-PE" sz="1800" kern="1200" dirty="0" smtClean="0">
+                          <a:solidFill>
+                            <a:schemeClr val="tx1"/>
+                          </a:solidFill>
+                          <a:latin typeface="+mn-lt"/>
+                          <a:ea typeface="+mn-ea"/>
+                          <a:cs typeface="+mn-cs"/>
+                        </a:rPr>
+                        <a:t>Rol que generaliza a todos los actores del sistema para los casos de uso de seguridad.</a:t>
+                      </a:r>
+                      <a:endParaRPr lang="es-ES" sz="1800" kern="1200" dirty="0" smtClean="0">
+                        <a:solidFill>
+                          <a:schemeClr val="tx1"/>
+                        </a:solidFill>
+                        <a:latin typeface="+mn-lt"/>
+                        <a:ea typeface="+mn-ea"/>
+                        <a:cs typeface="+mn-cs"/>
+                      </a:endParaRPr>
+                    </a:p>
+                    <a:p>
+                      <a:pPr marL="0" marR="0" indent="0" algn="l" defTabSz="914400" rtl="0" eaLnBrk="1" fontAlgn="auto" latinLnBrk="0" hangingPunct="1">
+                        <a:lnSpc>
+                          <a:spcPct val="100000"/>
+                        </a:lnSpc>
+                        <a:spcBef>
+                          <a:spcPts val="0"/>
+                        </a:spcBef>
+                        <a:spcAft>
+                          <a:spcPts val="0"/>
+                        </a:spcAft>
+                        <a:buClrTx/>
+                        <a:buSzTx/>
+                        <a:buFontTx/>
+                        <a:buNone/>
+                        <a:tabLst/>
+                        <a:defRPr/>
+                      </a:pPr>
                       <a:endParaRPr lang="es-ES" sz="1800" i="1" kern="1200" dirty="0" smtClean="0">
                         <a:solidFill>
                           <a:schemeClr val="tx1"/>
@@ -17013,6 +17172,105 @@
                         <a:tabLst/>
                         <a:defRPr/>
                       </a:pPr>
+                      <a:r>
+                        <a:rPr lang="en-US" sz="1800" i="1" kern="1200" dirty="0" err="1" smtClean="0">
+                          <a:solidFill>
+                            <a:schemeClr val="tx1"/>
+                          </a:solidFill>
+                          <a:latin typeface="+mn-lt"/>
+                          <a:ea typeface="+mn-ea"/>
+                          <a:cs typeface="+mn-cs"/>
+                        </a:rPr>
+                        <a:t>Rol</a:t>
+                      </a:r>
+                      <a:r>
+                        <a:rPr lang="en-US" sz="1800" i="1" kern="1200" baseline="0" dirty="0" smtClean="0">
+                          <a:solidFill>
+                            <a:schemeClr val="tx1"/>
+                          </a:solidFill>
+                          <a:latin typeface="+mn-lt"/>
+                          <a:ea typeface="+mn-ea"/>
+                          <a:cs typeface="+mn-cs"/>
+                        </a:rPr>
+                        <a:t> </a:t>
+                      </a:r>
+                      <a:r>
+                        <a:rPr lang="en-US" sz="1800" i="1" kern="1200" baseline="0" dirty="0" err="1" smtClean="0">
+                          <a:solidFill>
+                            <a:schemeClr val="tx1"/>
+                          </a:solidFill>
+                          <a:latin typeface="+mn-lt"/>
+                          <a:ea typeface="+mn-ea"/>
+                          <a:cs typeface="+mn-cs"/>
+                        </a:rPr>
+                        <a:t>que</a:t>
+                      </a:r>
+                      <a:r>
+                        <a:rPr lang="en-US" sz="1800" i="1" kern="1200" baseline="0" dirty="0" smtClean="0">
+                          <a:solidFill>
+                            <a:schemeClr val="tx1"/>
+                          </a:solidFill>
+                          <a:latin typeface="+mn-lt"/>
+                          <a:ea typeface="+mn-ea"/>
+                          <a:cs typeface="+mn-cs"/>
+                        </a:rPr>
+                        <a:t> se </a:t>
+                      </a:r>
+                      <a:r>
+                        <a:rPr lang="en-US" sz="1800" i="1" kern="1200" baseline="0" dirty="0" err="1" smtClean="0">
+                          <a:solidFill>
+                            <a:schemeClr val="tx1"/>
+                          </a:solidFill>
+                          <a:latin typeface="+mn-lt"/>
+                          <a:ea typeface="+mn-ea"/>
+                          <a:cs typeface="+mn-cs"/>
+                        </a:rPr>
+                        <a:t>encarga</a:t>
+                      </a:r>
+                      <a:r>
+                        <a:rPr lang="en-US" sz="1800" i="1" kern="1200" baseline="0" dirty="0" smtClean="0">
+                          <a:solidFill>
+                            <a:schemeClr val="tx1"/>
+                          </a:solidFill>
+                          <a:latin typeface="+mn-lt"/>
+                          <a:ea typeface="+mn-ea"/>
+                          <a:cs typeface="+mn-cs"/>
+                        </a:rPr>
+                        <a:t> de la </a:t>
+                      </a:r>
+                      <a:r>
+                        <a:rPr lang="en-US" sz="1800" i="1" kern="1200" baseline="0" dirty="0" err="1" smtClean="0">
+                          <a:solidFill>
+                            <a:schemeClr val="tx1"/>
+                          </a:solidFill>
+                          <a:latin typeface="+mn-lt"/>
+                          <a:ea typeface="+mn-ea"/>
+                          <a:cs typeface="+mn-cs"/>
+                        </a:rPr>
+                        <a:t>administración</a:t>
+                      </a:r>
+                      <a:r>
+                        <a:rPr lang="en-US" sz="1800" i="1" kern="1200" baseline="0" dirty="0" smtClean="0">
+                          <a:solidFill>
+                            <a:schemeClr val="tx1"/>
+                          </a:solidFill>
+                          <a:latin typeface="+mn-lt"/>
+                          <a:ea typeface="+mn-ea"/>
+                          <a:cs typeface="+mn-cs"/>
+                        </a:rPr>
+                        <a:t> del </a:t>
+                      </a:r>
+                      <a:r>
+                        <a:rPr lang="en-US" sz="1800" i="1" kern="1200" baseline="0" dirty="0" err="1" smtClean="0">
+                          <a:solidFill>
+                            <a:schemeClr val="tx1"/>
+                          </a:solidFill>
+                          <a:latin typeface="+mn-lt"/>
+                          <a:ea typeface="+mn-ea"/>
+                          <a:cs typeface="+mn-cs"/>
+                        </a:rPr>
+                        <a:t>sistema</a:t>
+                      </a:r>
                       <a:endParaRPr lang="es-ES" sz="1800" i="1" kern="1200" dirty="0" smtClean="0">
                         <a:solidFill>
                           <a:schemeClr val="tx1"/>
@@ -17200,29 +17458,8 @@
                   <a:schemeClr val="tx1"/>
                 </a:solidFill>
               </a:rPr>
-              <a:t>(Contratos </a:t>
+              <a:t>(Contratos de Clientes)</a:t>
             </a:r>
-            <a:r>
-              <a:rPr lang="es-PE" sz="4000" b="1" dirty="0" smtClean="0">
-                <a:solidFill>
-                  <a:schemeClr val="tx1"/>
-                </a:solidFill>
-              </a:rPr>
-              <a:t>de </a:t>
-            </a:r>
-            <a:r>
-              <a:rPr lang="es-PE" sz="4000" b="1" dirty="0" smtClean="0">
-                <a:solidFill>
-                  <a:schemeClr val="tx1"/>
-                </a:solidFill>
-              </a:rPr>
-              <a:t>Clientes)</a:t>
-            </a:r>
-            <a:endParaRPr lang="es-PE" sz="4000" b="1" dirty="0" smtClean="0">
-              <a:solidFill>
-                <a:schemeClr val="tx1"/>
-              </a:solidFill>
-            </a:endParaRPr>
           </a:p>
         </p:txBody>
       </p:sp>
@@ -17274,15 +17511,7 @@
             </a:pPr>
             <a:r>
               <a:rPr lang="es-PE" sz="4000" dirty="0" smtClean="0"/>
-              <a:t>DIAGRAMA DE ACTORES DEL </a:t>
-            </a:r>
-            <a:r>
-              <a:rPr lang="es-PE" sz="4000" dirty="0" smtClean="0"/>
-              <a:t>SISTEMA (Contratos </a:t>
-            </a:r>
-            <a:r>
-              <a:rPr lang="es-PE" sz="4000" dirty="0" smtClean="0"/>
-              <a:t>de Clientes)</a:t>
+              <a:t>DIAGRAMA DE ACTORES DEL SISTEMA (Contratos de Clientes)</a:t>
             </a:r>
             <a:endParaRPr lang="es-ES" sz="4000" dirty="0"/>
           </a:p>
@@ -17387,29 +17616,8 @@
                   <a:schemeClr val="tx1"/>
                 </a:solidFill>
               </a:rPr>
-              <a:t>(Contratos </a:t>
+              <a:t>(Contratos de Clientes)</a:t>
             </a:r>
-            <a:r>
-              <a:rPr lang="es-PE" sz="4000" b="1" dirty="0" smtClean="0">
-                <a:solidFill>
-                  <a:schemeClr val="tx1"/>
-                </a:solidFill>
-              </a:rPr>
-              <a:t>de </a:t>
-            </a:r>
-            <a:r>
-              <a:rPr lang="es-PE" sz="4000" b="1" dirty="0" smtClean="0">
-                <a:solidFill>
-                  <a:schemeClr val="tx1"/>
-                </a:solidFill>
-              </a:rPr>
-              <a:t>Clientes)</a:t>
-            </a:r>
-            <a:endParaRPr lang="es-PE" sz="4000" b="1" dirty="0" smtClean="0">
-              <a:solidFill>
-                <a:schemeClr val="tx1"/>
-              </a:solidFill>
-            </a:endParaRPr>
           </a:p>
         </p:txBody>
       </p:sp>
@@ -17455,15 +17663,7 @@
           <a:p>
             <a:r>
               <a:rPr lang="es-PE" dirty="0" smtClean="0"/>
-              <a:t>DIAGRAMA DE </a:t>
-            </a:r>
-            <a:r>
-              <a:rPr lang="es-PE" dirty="0" smtClean="0"/>
-              <a:t>PAQUETES </a:t>
-            </a:r>
-            <a:r>
-              <a:rPr lang="es-PE" dirty="0" smtClean="0"/>
-              <a:t>(Contratos de Clientes)</a:t>
+              <a:t>DIAGRAMA DE PAQUETES (Contratos de Clientes)</a:t>
             </a:r>
             <a:endParaRPr lang="es-ES" dirty="0"/>
           </a:p>
@@ -17568,29 +17768,8 @@
                   <a:schemeClr val="tx1"/>
                 </a:solidFill>
               </a:rPr>
-              <a:t>(Contratos </a:t>
+              <a:t>(Contratos de Clientes)</a:t>
             </a:r>
-            <a:r>
-              <a:rPr lang="es-PE" sz="4000" b="1" dirty="0" smtClean="0">
-                <a:solidFill>
-                  <a:schemeClr val="tx1"/>
-                </a:solidFill>
-              </a:rPr>
-              <a:t>de </a:t>
-            </a:r>
-            <a:r>
-              <a:rPr lang="es-PE" sz="4000" b="1" dirty="0" smtClean="0">
-                <a:solidFill>
-                  <a:schemeClr val="tx1"/>
-                </a:solidFill>
-              </a:rPr>
-              <a:t>Clientes)</a:t>
-            </a:r>
-            <a:endParaRPr lang="es-PE" sz="4000" b="1" dirty="0" smtClean="0">
-              <a:solidFill>
-                <a:schemeClr val="tx1"/>
-              </a:solidFill>
-            </a:endParaRPr>
           </a:p>
         </p:txBody>
       </p:sp>
@@ -18069,7 +18248,6 @@
               <a:rPr lang="es-PE" sz="2800" dirty="0" smtClean="0"/>
               <a:t>REQUERIMIENTOS</a:t>
             </a:r>
-            <a:endParaRPr lang="es-PE" sz="2800" dirty="0" smtClean="0"/>
           </a:p>
         </p:txBody>
       </p:sp>
